--- a/modules/LogisticRegression/PPT.pptx
+++ b/modules/LogisticRegression/PPT.pptx
@@ -3586,8 +3586,13 @@
           <a:p>
             <a:r>
               <a:rPr lang="en-US" dirty="0" smtClean="0"/>
-              <a:t>See HO – Section 1.5</a:t>
-            </a:r>
+              <a:t>See HO – </a:t>
+            </a:r>
+            <a:r>
+              <a:rPr lang="en-US" dirty="0" smtClean="0"/>
+              <a:t>X for a Certain Proportion</a:t>
+            </a:r>
+            <a:endParaRPr lang="en-US" dirty="0" smtClean="0"/>
           </a:p>
           <a:p>
             <a:endParaRPr lang="en-US" dirty="0"/>
@@ -3927,7 +3932,11 @@
             <a:pPr lvl="1"/>
             <a:r>
               <a:rPr lang="en-US" dirty="0" smtClean="0"/>
-              <a:t>See HO Section 2.</a:t>
+              <a:t>See HO Section </a:t>
+            </a:r>
+            <a:r>
+              <a:rPr lang="en-US" dirty="0" smtClean="0"/>
+              <a:t>Bootstrapping.</a:t>
             </a:r>
             <a:endParaRPr lang="en-US" dirty="0"/>
           </a:p>
@@ -5082,8 +5091,13 @@
           <a:p>
             <a:r>
               <a:rPr lang="en-US" dirty="0" smtClean="0"/>
-              <a:t>Examine Plots on HO – Section 1.1</a:t>
-            </a:r>
+              <a:t>Examine Plots on HO – </a:t>
+            </a:r>
+            <a:r>
+              <a:rPr lang="en-US" dirty="0" smtClean="0"/>
+              <a:t>Explorations</a:t>
+            </a:r>
+            <a:endParaRPr lang="en-US" dirty="0" smtClean="0"/>
           </a:p>
           <a:p>
             <a:endParaRPr lang="en-US" sz="1400" dirty="0" smtClean="0"/>
@@ -6259,8 +6273,13 @@
             </a:pPr>
             <a:r>
               <a:rPr lang="en-US" sz="3200" b="0" dirty="0"/>
-              <a:t>Examine HO – section 1.2</a:t>
-            </a:r>
+              <a:t>Examine HO – </a:t>
+            </a:r>
+            <a:r>
+              <a:rPr lang="en-US" sz="3200" b="0" dirty="0" smtClean="0"/>
+              <a:t>Model Fitting and …</a:t>
+            </a:r>
+            <a:endParaRPr lang="en-US" sz="3200" b="0" dirty="0"/>
           </a:p>
           <a:p>
             <a:pPr marL="342900" indent="-342900">
@@ -6499,30 +6518,21 @@
                             </p:childTnLst>
                           </p:cTn>
                         </p:par>
-                      </p:childTnLst>
-                    </p:cTn>
-                  </p:par>
-                  <p:par>
-                    <p:cTn id="7" fill="hold">
-                      <p:stCondLst>
-                        <p:cond delay="indefinite"/>
-                      </p:stCondLst>
-                      <p:childTnLst>
                         <p:par>
-                          <p:cTn id="8" fill="hold">
+                          <p:cTn id="7" fill="hold">
                             <p:stCondLst>
                               <p:cond delay="0"/>
                             </p:stCondLst>
                             <p:childTnLst>
                               <p:par>
-                                <p:cTn id="9" presetID="1" presetClass="entr" presetSubtype="0" fill="hold" nodeType="clickEffect">
+                                <p:cTn id="8" presetID="1" presetClass="entr" presetSubtype="0" fill="hold" nodeType="afterEffect">
                                   <p:stCondLst>
-                                    <p:cond delay="0"/>
+                                    <p:cond delay="1000"/>
                                   </p:stCondLst>
                                   <p:childTnLst>
                                     <p:set>
                                       <p:cBhvr>
-                                        <p:cTn id="10" dur="1" fill="hold">
+                                        <p:cTn id="9" dur="1" fill="hold">
                                           <p:stCondLst>
                                             <p:cond delay="0"/>
                                           </p:stCondLst>
@@ -6546,14 +6556,14 @@
                                 </p:cTn>
                               </p:par>
                               <p:par>
-                                <p:cTn id="11" presetID="1" presetClass="entr" presetSubtype="0" fill="hold" nodeType="withEffect">
+                                <p:cTn id="10" presetID="1" presetClass="entr" presetSubtype="0" fill="hold" nodeType="withEffect">
                                   <p:stCondLst>
-                                    <p:cond delay="0"/>
+                                    <p:cond delay="1000"/>
                                   </p:stCondLst>
                                   <p:childTnLst>
                                     <p:set>
                                       <p:cBhvr>
-                                        <p:cTn id="12" dur="1" fill="hold">
+                                        <p:cTn id="11" dur="1" fill="hold">
                                           <p:stCondLst>
                                             <p:cond delay="0"/>
                                           </p:stCondLst>
@@ -6577,14 +6587,14 @@
                                 </p:cTn>
                               </p:par>
                               <p:par>
-                                <p:cTn id="13" presetID="1" presetClass="entr" presetSubtype="0" fill="hold" nodeType="withEffect">
+                                <p:cTn id="12" presetID="1" presetClass="entr" presetSubtype="0" fill="hold" nodeType="withEffect">
                                   <p:stCondLst>
-                                    <p:cond delay="0"/>
+                                    <p:cond delay="1000"/>
                                   </p:stCondLst>
                                   <p:childTnLst>
                                     <p:set>
                                       <p:cBhvr>
-                                        <p:cTn id="14" dur="1" fill="hold">
+                                        <p:cTn id="13" dur="1" fill="hold">
                                           <p:stCondLst>
                                             <p:cond delay="0"/>
                                           </p:stCondLst>
@@ -6608,14 +6618,14 @@
                                 </p:cTn>
                               </p:par>
                               <p:par>
-                                <p:cTn id="15" presetID="1" presetClass="entr" presetSubtype="0" fill="hold" nodeType="withEffect">
+                                <p:cTn id="14" presetID="1" presetClass="entr" presetSubtype="0" fill="hold" nodeType="withEffect">
                                   <p:stCondLst>
-                                    <p:cond delay="0"/>
+                                    <p:cond delay="1000"/>
                                   </p:stCondLst>
                                   <p:childTnLst>
                                     <p:set>
                                       <p:cBhvr>
-                                        <p:cTn id="16" dur="1" fill="hold">
+                                        <p:cTn id="15" dur="1" fill="hold">
                                           <p:stCondLst>
                                             <p:cond delay="0"/>
                                           </p:stCondLst>
@@ -6822,7 +6832,11 @@
           <a:p>
             <a:r>
               <a:rPr lang="en-US" dirty="0" smtClean="0"/>
-              <a:t>Examine HO – section 1.3</a:t>
+              <a:t>Examine HO – </a:t>
+            </a:r>
+            <a:r>
+              <a:rPr lang="en-US" dirty="0" smtClean="0"/>
+              <a:t>Interpretation of slope</a:t>
             </a:r>
             <a:endParaRPr lang="en-US" sz="7200" dirty="0"/>
           </a:p>
@@ -7157,11 +7171,11 @@
           <a:p>
             <a:r>
               <a:rPr lang="en-US" dirty="0"/>
-              <a:t>Examine HO – section </a:t>
+              <a:t>Examine HO – </a:t>
             </a:r>
             <a:r>
               <a:rPr lang="en-US" dirty="0" smtClean="0"/>
-              <a:t>1.3</a:t>
+              <a:t>Interpretation of slope</a:t>
             </a:r>
             <a:endParaRPr lang="en-US" sz="7200" dirty="0"/>
           </a:p>
@@ -7547,7 +7561,11 @@
             </a:r>
             <a:r>
               <a:rPr lang="en-US" dirty="0" smtClean="0"/>
-              <a:t>results in Section 1.2</a:t>
+              <a:t>results in </a:t>
+            </a:r>
+            <a:r>
+              <a:rPr lang="en-US" dirty="0" smtClean="0"/>
+              <a:t>Model fitting and …</a:t>
             </a:r>
             <a:endParaRPr lang="en-US" dirty="0"/>
           </a:p>
@@ -7890,7 +7908,11 @@
           <a:p>
             <a:r>
               <a:rPr lang="en-US" dirty="0" smtClean="0"/>
-              <a:t>See Section 1.4</a:t>
+              <a:t>See Section </a:t>
+            </a:r>
+            <a:r>
+              <a:rPr lang="en-US" dirty="0" smtClean="0"/>
+              <a:t>Predicting Probabilities ….</a:t>
             </a:r>
             <a:endParaRPr lang="en-US" dirty="0"/>
           </a:p>

--- a/modules/LogisticRegression/PPT.pptx
+++ b/modules/LogisticRegression/PPT.pptx
@@ -601,6 +601,91 @@
     </a:lvl9pPr>
   </p:notesStyle>
 </p:notesMaster>
+</file>
+
+<file path=ppt/notesSlides/notesSlide1.xml><?xml version="1.0" encoding="utf-8"?>
+<p:notes xmlns:a="http://schemas.openxmlformats.org/drawingml/2006/main" xmlns:r="http://schemas.openxmlformats.org/officeDocument/2006/relationships" xmlns:p="http://schemas.openxmlformats.org/presentationml/2006/main">
+  <p:cSld>
+    <p:spTree>
+      <p:nvGrpSpPr>
+        <p:cNvPr id="1" name=""/>
+        <p:cNvGrpSpPr/>
+        <p:nvPr/>
+      </p:nvGrpSpPr>
+      <p:grpSpPr>
+        <a:xfrm>
+          <a:off x="0" y="0"/>
+          <a:ext cx="0" cy="0"/>
+          <a:chOff x="0" y="0"/>
+          <a:chExt cx="0" cy="0"/>
+        </a:xfrm>
+      </p:grpSpPr>
+      <p:sp>
+        <p:nvSpPr>
+          <p:cNvPr id="2" name="Slide Image Placeholder 1"/>
+          <p:cNvSpPr>
+            <a:spLocks noGrp="1" noRot="1" noChangeAspect="1"/>
+          </p:cNvSpPr>
+          <p:nvPr>
+            <p:ph type="sldImg"/>
+          </p:nvPr>
+        </p:nvSpPr>
+        <p:spPr/>
+      </p:sp>
+      <p:sp>
+        <p:nvSpPr>
+          <p:cNvPr id="3" name="Notes Placeholder 2"/>
+          <p:cNvSpPr>
+            <a:spLocks noGrp="1"/>
+          </p:cNvSpPr>
+          <p:nvPr>
+            <p:ph type="body" idx="1"/>
+          </p:nvPr>
+        </p:nvSpPr>
+        <p:spPr/>
+        <p:txBody>
+          <a:bodyPr/>
+          <a:lstStyle/>
+          <a:p>
+            <a:endParaRPr lang="en-US" dirty="0"/>
+          </a:p>
+        </p:txBody>
+      </p:sp>
+      <p:sp>
+        <p:nvSpPr>
+          <p:cNvPr id="4" name="Slide Number Placeholder 3"/>
+          <p:cNvSpPr>
+            <a:spLocks noGrp="1"/>
+          </p:cNvSpPr>
+          <p:nvPr>
+            <p:ph type="sldNum" sz="quarter" idx="10"/>
+          </p:nvPr>
+        </p:nvSpPr>
+        <p:spPr/>
+        <p:txBody>
+          <a:bodyPr/>
+          <a:lstStyle/>
+          <a:p>
+            <a:fld id="{CF834186-2AA3-4A43-8663-E23780E3179D}" type="slidenum">
+              <a:rPr lang="en-US" smtClean="0"/>
+              <a:pPr/>
+              <a:t>12</a:t>
+            </a:fld>
+            <a:endParaRPr lang="en-US"/>
+          </a:p>
+        </p:txBody>
+      </p:sp>
+    </p:spTree>
+    <p:extLst>
+      <p:ext uri="{BB962C8B-B14F-4D97-AF65-F5344CB8AC3E}">
+        <p14:creationId xmlns:p14="http://schemas.microsoft.com/office/powerpoint/2010/main" val="1437557848"/>
+      </p:ext>
+    </p:extLst>
+  </p:cSld>
+  <p:clrMapOvr>
+    <a:masterClrMapping/>
+  </p:clrMapOvr>
+</p:notes>
 </file>
 
 <file path=ppt/slideLayouts/slideLayout1.xml><?xml version="1.0" encoding="utf-8"?>
@@ -3586,13 +3671,8 @@
           <a:p>
             <a:r>
               <a:rPr lang="en-US" dirty="0" smtClean="0"/>
-              <a:t>See HO – </a:t>
-            </a:r>
-            <a:r>
-              <a:rPr lang="en-US" dirty="0" smtClean="0"/>
-              <a:t>X for a Certain Proportion</a:t>
-            </a:r>
-            <a:endParaRPr lang="en-US" dirty="0" smtClean="0"/>
+              <a:t>See HO – X for a Certain Proportion</a:t>
+            </a:r>
           </a:p>
           <a:p>
             <a:endParaRPr lang="en-US" dirty="0"/>
@@ -3932,11 +4012,7 @@
             <a:pPr lvl="1"/>
             <a:r>
               <a:rPr lang="en-US" dirty="0" smtClean="0"/>
-              <a:t>See HO Section </a:t>
-            </a:r>
-            <a:r>
-              <a:rPr lang="en-US" dirty="0" smtClean="0"/>
-              <a:t>Bootstrapping.</a:t>
+              <a:t>See HO Section Bootstrapping.</a:t>
             </a:r>
             <a:endParaRPr lang="en-US" dirty="0"/>
           </a:p>
@@ -4142,7 +4218,12 @@
             <p:ph type="title"/>
           </p:nvPr>
         </p:nvSpPr>
-        <p:spPr/>
+        <p:spPr>
+          <a:xfrm>
+            <a:off x="65088" y="0"/>
+            <a:ext cx="9012237" cy="685800"/>
+          </a:xfrm>
+        </p:spPr>
         <p:txBody>
           <a:bodyPr/>
           <a:lstStyle/>
@@ -4167,8 +4248,8 @@
         </p:nvSpPr>
         <p:spPr>
           <a:xfrm>
-            <a:off x="457200" y="1143000"/>
-            <a:ext cx="8686800" cy="5334000"/>
+            <a:off x="0" y="685799"/>
+            <a:ext cx="9144000" cy="5864225"/>
           </a:xfrm>
         </p:spPr>
         <p:txBody>
@@ -4183,7 +4264,15 @@
           <a:p>
             <a:r>
               <a:rPr lang="en-US" sz="2800" dirty="0" smtClean="0"/>
-              <a:t>Also recorded demographic variables for each household: income, size, monthly mortgage payment, age of head</a:t>
+              <a:t>Also recorded </a:t>
+            </a:r>
+            <a:r>
+              <a:rPr lang="en-US" sz="2800" dirty="0" smtClean="0"/>
+              <a:t>household demographic variables: </a:t>
+            </a:r>
+            <a:r>
+              <a:rPr lang="en-US" sz="2800" dirty="0" smtClean="0"/>
+              <a:t>income, size, monthly mortgage payment, age of head</a:t>
             </a:r>
           </a:p>
           <a:p>
@@ -4203,14 +4292,30 @@
             <a:pPr lvl="1"/>
             <a:r>
               <a:rPr lang="en-US" sz="2400" dirty="0" smtClean="0"/>
-              <a:t>What is the probability of acceptance for a household with an income of $80000.</a:t>
-            </a:r>
+              <a:t>What is the probability of acceptance for a household with an income of $</a:t>
+            </a:r>
+            <a:r>
+              <a:rPr lang="en-US" sz="2400" dirty="0" smtClean="0"/>
+              <a:t>80000? Odds of acceptance?</a:t>
+            </a:r>
+            <a:endParaRPr lang="en-US" sz="2400" dirty="0" smtClean="0"/>
           </a:p>
           <a:p>
             <a:pPr lvl="1"/>
             <a:r>
               <a:rPr lang="en-US" sz="2400" dirty="0" smtClean="0"/>
-              <a:t>How much does odds of acceptance change for each $1000 increase in household income?</a:t>
+              <a:t>How much does odds of acceptance change for each $1000 increase in household income</a:t>
+            </a:r>
+            <a:r>
+              <a:rPr lang="en-US" sz="2400" dirty="0" smtClean="0"/>
+              <a:t>?</a:t>
+            </a:r>
+          </a:p>
+          <a:p>
+            <a:pPr lvl="1"/>
+            <a:r>
+              <a:rPr lang="en-US" sz="2400" dirty="0" smtClean="0"/>
+              <a:t>How much does the probability of acceptance change for $1000 increase in household income?</a:t>
             </a:r>
             <a:endParaRPr lang="en-US" sz="2400" dirty="0"/>
           </a:p>
@@ -4452,6 +4557,37 @@
                                           <p:spTgt spid="3">
                                             <p:txEl>
                                               <p:pRg st="5" end="5"/>
+                                            </p:txEl>
+                                          </p:spTgt>
+                                        </p:tgtEl>
+                                        <p:attrNameLst>
+                                          <p:attrName>style.visibility</p:attrName>
+                                        </p:attrNameLst>
+                                      </p:cBhvr>
+                                      <p:to>
+                                        <p:strVal val="visible"/>
+                                      </p:to>
+                                    </p:set>
+                                  </p:childTnLst>
+                                </p:cTn>
+                              </p:par>
+                              <p:par>
+                                <p:cTn id="17" presetID="1" presetClass="entr" presetSubtype="0" fill="hold" grpId="0" nodeType="withEffect">
+                                  <p:stCondLst>
+                                    <p:cond delay="0"/>
+                                  </p:stCondLst>
+                                  <p:childTnLst>
+                                    <p:set>
+                                      <p:cBhvr>
+                                        <p:cTn id="18" dur="1" fill="hold">
+                                          <p:stCondLst>
+                                            <p:cond delay="0"/>
+                                          </p:stCondLst>
+                                        </p:cTn>
+                                        <p:tgtEl>
+                                          <p:spTgt spid="3">
+                                            <p:txEl>
+                                              <p:pRg st="6" end="6"/>
                                             </p:txEl>
                                           </p:spTgt>
                                         </p:tgtEl>
@@ -5091,13 +5227,8 @@
           <a:p>
             <a:r>
               <a:rPr lang="en-US" dirty="0" smtClean="0"/>
-              <a:t>Examine Plots on HO – </a:t>
-            </a:r>
-            <a:r>
-              <a:rPr lang="en-US" dirty="0" smtClean="0"/>
-              <a:t>Explorations</a:t>
-            </a:r>
-            <a:endParaRPr lang="en-US" dirty="0" smtClean="0"/>
+              <a:t>Examine Plots on HO – Explorations</a:t>
+            </a:r>
           </a:p>
           <a:p>
             <a:endParaRPr lang="en-US" sz="1400" dirty="0" smtClean="0"/>
@@ -6832,11 +6963,7 @@
           <a:p>
             <a:r>
               <a:rPr lang="en-US" dirty="0" smtClean="0"/>
-              <a:t>Examine HO – </a:t>
-            </a:r>
-            <a:r>
-              <a:rPr lang="en-US" dirty="0" smtClean="0"/>
-              <a:t>Interpretation of slope</a:t>
+              <a:t>Examine HO – Interpretation of slope</a:t>
             </a:r>
             <a:endParaRPr lang="en-US" sz="7200" dirty="0"/>
           </a:p>
@@ -7561,11 +7688,7 @@
             </a:r>
             <a:r>
               <a:rPr lang="en-US" dirty="0" smtClean="0"/>
-              <a:t>results in </a:t>
-            </a:r>
-            <a:r>
-              <a:rPr lang="en-US" dirty="0" smtClean="0"/>
-              <a:t>Model fitting and …</a:t>
+              <a:t>results in Model fitting and …</a:t>
             </a:r>
             <a:endParaRPr lang="en-US" dirty="0"/>
           </a:p>
@@ -7908,11 +8031,7 @@
           <a:p>
             <a:r>
               <a:rPr lang="en-US" dirty="0" smtClean="0"/>
-              <a:t>See Section </a:t>
-            </a:r>
-            <a:r>
-              <a:rPr lang="en-US" dirty="0" smtClean="0"/>
-              <a:t>Predicting Probabilities ….</a:t>
+              <a:t>See Section Predicting Probabilities ….</a:t>
             </a:r>
             <a:endParaRPr lang="en-US" dirty="0"/>
           </a:p>

--- a/modules/LogisticRegression/PPT.pptx
+++ b/modules/LogisticRegression/PPT.pptx
@@ -3862,30 +3862,70 @@
                             </p:childTnLst>
                           </p:cTn>
                         </p:par>
-                      </p:childTnLst>
-                    </p:cTn>
-                  </p:par>
-                  <p:par>
-                    <p:cTn id="7" fill="hold">
-                      <p:stCondLst>
-                        <p:cond delay="indefinite"/>
-                      </p:stCondLst>
-                      <p:childTnLst>
                         <p:par>
-                          <p:cTn id="8" fill="hold">
+                          <p:cTn id="7" fill="hold">
                             <p:stCondLst>
                               <p:cond delay="0"/>
                             </p:stCondLst>
                             <p:childTnLst>
                               <p:par>
-                                <p:cTn id="9" presetID="1" presetClass="entr" presetSubtype="0" fill="hold" nodeType="clickEffect">
+                                <p:cTn id="8" presetID="1" presetClass="entr" presetSubtype="0" fill="hold" nodeType="afterEffect">
                                   <p:stCondLst>
                                     <p:cond delay="0"/>
                                   </p:stCondLst>
                                   <p:childTnLst>
                                     <p:set>
                                       <p:cBhvr>
-                                        <p:cTn id="10" dur="1" fill="hold">
+                                        <p:cTn id="9" dur="1" fill="hold">
+                                          <p:stCondLst>
+                                            <p:cond delay="0"/>
+                                          </p:stCondLst>
+                                        </p:cTn>
+                                        <p:tgtEl>
+                                          <p:spTgt spid="3">
+                                            <p:txEl>
+                                              <p:pRg st="5" end="5"/>
+                                            </p:txEl>
+                                          </p:spTgt>
+                                        </p:tgtEl>
+                                        <p:attrNameLst>
+                                          <p:attrName>style.visibility</p:attrName>
+                                        </p:attrNameLst>
+                                      </p:cBhvr>
+                                      <p:to>
+                                        <p:strVal val="visible"/>
+                                      </p:to>
+                                    </p:set>
+                                  </p:childTnLst>
+                                </p:cTn>
+                              </p:par>
+                            </p:childTnLst>
+                          </p:cTn>
+                        </p:par>
+                      </p:childTnLst>
+                    </p:cTn>
+                  </p:par>
+                  <p:par>
+                    <p:cTn id="10" fill="hold">
+                      <p:stCondLst>
+                        <p:cond delay="indefinite"/>
+                      </p:stCondLst>
+                      <p:childTnLst>
+                        <p:par>
+                          <p:cTn id="11" fill="hold">
+                            <p:stCondLst>
+                              <p:cond delay="0"/>
+                            </p:stCondLst>
+                            <p:childTnLst>
+                              <p:par>
+                                <p:cTn id="12" presetID="1" presetClass="entr" presetSubtype="0" fill="hold" nodeType="clickEffect">
+                                  <p:stCondLst>
+                                    <p:cond delay="0"/>
+                                  </p:stCondLst>
+                                  <p:childTnLst>
+                                    <p:set>
+                                      <p:cBhvr>
+                                        <p:cTn id="13" dur="1" fill="hold">
                                           <p:stCondLst>
                                             <p:cond delay="0"/>
                                           </p:stCondLst>
@@ -4264,15 +4304,7 @@
           <a:p>
             <a:r>
               <a:rPr lang="en-US" sz="2800" dirty="0" smtClean="0"/>
-              <a:t>Also recorded </a:t>
-            </a:r>
-            <a:r>
-              <a:rPr lang="en-US" sz="2800" dirty="0" smtClean="0"/>
-              <a:t>household demographic variables: </a:t>
-            </a:r>
-            <a:r>
-              <a:rPr lang="en-US" sz="2800" dirty="0" smtClean="0"/>
-              <a:t>income, size, monthly mortgage payment, age of head</a:t>
+              <a:t>Also recorded household demographic variables: income, size, monthly mortgage payment, age of head</a:t>
             </a:r>
           </a:p>
           <a:p>
@@ -4292,23 +4324,14 @@
             <a:pPr lvl="1"/>
             <a:r>
               <a:rPr lang="en-US" sz="2400" dirty="0" smtClean="0"/>
-              <a:t>What is the probability of acceptance for a household with an income of $</a:t>
-            </a:r>
+              <a:t>What is the probability of acceptance for a household with an income of $80000? Odds of acceptance?</a:t>
+            </a:r>
+          </a:p>
+          <a:p>
+            <a:pPr lvl="1"/>
             <a:r>
               <a:rPr lang="en-US" sz="2400" dirty="0" smtClean="0"/>
-              <a:t>80000? Odds of acceptance?</a:t>
-            </a:r>
-            <a:endParaRPr lang="en-US" sz="2400" dirty="0" smtClean="0"/>
-          </a:p>
-          <a:p>
-            <a:pPr lvl="1"/>
-            <a:r>
-              <a:rPr lang="en-US" sz="2400" dirty="0" smtClean="0"/>
-              <a:t>How much does odds of acceptance change for each $1000 increase in household income</a:t>
-            </a:r>
-            <a:r>
-              <a:rPr lang="en-US" sz="2400" dirty="0" smtClean="0"/>
-              <a:t>?</a:t>
+              <a:t>How much does odds of acceptance change for each $1000 increase in household income?</a:t>
             </a:r>
           </a:p>
           <a:p>
@@ -8198,7 +8221,7 @@
                             </p:stCondLst>
                             <p:childTnLst>
                               <p:par>
-                                <p:cTn id="5" presetID="1" presetClass="entr" presetSubtype="0" fill="hold" grpId="0" nodeType="clickEffect">
+                                <p:cTn id="5" presetID="1" presetClass="entr" presetSubtype="0" fill="hold" nodeType="clickEffect">
                                   <p:stCondLst>
                                     <p:cond delay="0"/>
                                   </p:stCondLst>
@@ -8206,6 +8229,42 @@
                                     <p:set>
                                       <p:cBhvr>
                                         <p:cTn id="6" dur="1" fill="hold">
+                                          <p:stCondLst>
+                                            <p:cond delay="0"/>
+                                          </p:stCondLst>
+                                        </p:cTn>
+                                        <p:tgtEl>
+                                          <p:spTgt spid="9"/>
+                                        </p:tgtEl>
+                                        <p:attrNameLst>
+                                          <p:attrName>style.visibility</p:attrName>
+                                        </p:attrNameLst>
+                                      </p:cBhvr>
+                                      <p:to>
+                                        <p:strVal val="visible"/>
+                                      </p:to>
+                                    </p:set>
+                                  </p:childTnLst>
+                                </p:cTn>
+                              </p:par>
+                            </p:childTnLst>
+                          </p:cTn>
+                        </p:par>
+                        <p:par>
+                          <p:cTn id="7" fill="hold">
+                            <p:stCondLst>
+                              <p:cond delay="0"/>
+                            </p:stCondLst>
+                            <p:childTnLst>
+                              <p:par>
+                                <p:cTn id="8" presetID="1" presetClass="entr" presetSubtype="0" fill="hold" grpId="0" nodeType="afterEffect">
+                                  <p:stCondLst>
+                                    <p:cond delay="0"/>
+                                  </p:stCondLst>
+                                  <p:childTnLst>
+                                    <p:set>
+                                      <p:cBhvr>
+                                        <p:cTn id="9" dur="1" fill="hold">
                                           <p:stCondLst>
                                             <p:cond delay="0"/>
                                           </p:stCondLst>
@@ -8235,26 +8294,62 @@
                     </p:cTn>
                   </p:par>
                   <p:par>
-                    <p:cTn id="7" fill="hold">
+                    <p:cTn id="10" fill="hold">
                       <p:stCondLst>
                         <p:cond delay="indefinite"/>
                       </p:stCondLst>
                       <p:childTnLst>
                         <p:par>
-                          <p:cTn id="8" fill="hold">
+                          <p:cTn id="11" fill="hold">
                             <p:stCondLst>
                               <p:cond delay="0"/>
                             </p:stCondLst>
                             <p:childTnLst>
                               <p:par>
-                                <p:cTn id="9" presetID="1" presetClass="entr" presetSubtype="0" fill="hold" grpId="0" nodeType="clickEffect">
+                                <p:cTn id="12" presetID="1" presetClass="entr" presetSubtype="0" fill="hold" nodeType="clickEffect">
                                   <p:stCondLst>
                                     <p:cond delay="0"/>
                                   </p:stCondLst>
                                   <p:childTnLst>
                                     <p:set>
                                       <p:cBhvr>
-                                        <p:cTn id="10" dur="1" fill="hold">
+                                        <p:cTn id="13" dur="1" fill="hold">
+                                          <p:stCondLst>
+                                            <p:cond delay="0"/>
+                                          </p:stCondLst>
+                                        </p:cTn>
+                                        <p:tgtEl>
+                                          <p:spTgt spid="10"/>
+                                        </p:tgtEl>
+                                        <p:attrNameLst>
+                                          <p:attrName>style.visibility</p:attrName>
+                                        </p:attrNameLst>
+                                      </p:cBhvr>
+                                      <p:to>
+                                        <p:strVal val="visible"/>
+                                      </p:to>
+                                    </p:set>
+                                  </p:childTnLst>
+                                </p:cTn>
+                              </p:par>
+                            </p:childTnLst>
+                          </p:cTn>
+                        </p:par>
+                        <p:par>
+                          <p:cTn id="14" fill="hold">
+                            <p:stCondLst>
+                              <p:cond delay="0"/>
+                            </p:stCondLst>
+                            <p:childTnLst>
+                              <p:par>
+                                <p:cTn id="15" presetID="1" presetClass="entr" presetSubtype="0" fill="hold" grpId="0" nodeType="afterEffect">
+                                  <p:stCondLst>
+                                    <p:cond delay="0"/>
+                                  </p:stCondLst>
+                                  <p:childTnLst>
+                                    <p:set>
+                                      <p:cBhvr>
+                                        <p:cTn id="16" dur="1" fill="hold">
                                           <p:stCondLst>
                                             <p:cond delay="0"/>
                                           </p:stCondLst>
@@ -8284,95 +8379,19 @@
                     </p:cTn>
                   </p:par>
                   <p:par>
-                    <p:cTn id="11" fill="hold">
+                    <p:cTn id="17" fill="hold">
                       <p:stCondLst>
                         <p:cond delay="indefinite"/>
                       </p:stCondLst>
                       <p:childTnLst>
                         <p:par>
-                          <p:cTn id="12" fill="hold">
+                          <p:cTn id="18" fill="hold">
                             <p:stCondLst>
                               <p:cond delay="0"/>
                             </p:stCondLst>
                             <p:childTnLst>
                               <p:par>
-                                <p:cTn id="13" presetID="1" presetClass="entr" presetSubtype="0" fill="hold" grpId="0" nodeType="clickEffect">
-                                  <p:stCondLst>
-                                    <p:cond delay="0"/>
-                                  </p:stCondLst>
-                                  <p:childTnLst>
-                                    <p:set>
-                                      <p:cBhvr>
-                                        <p:cTn id="14" dur="1" fill="hold">
-                                          <p:stCondLst>
-                                            <p:cond delay="0"/>
-                                          </p:stCondLst>
-                                        </p:cTn>
-                                        <p:tgtEl>
-                                          <p:spTgt spid="377859">
-                                            <p:txEl>
-                                              <p:pRg st="6" end="6"/>
-                                            </p:txEl>
-                                          </p:spTgt>
-                                        </p:tgtEl>
-                                        <p:attrNameLst>
-                                          <p:attrName>style.visibility</p:attrName>
-                                        </p:attrNameLst>
-                                      </p:cBhvr>
-                                      <p:to>
-                                        <p:strVal val="visible"/>
-                                      </p:to>
-                                    </p:set>
-                                  </p:childTnLst>
-                                </p:cTn>
-                              </p:par>
-                            </p:childTnLst>
-                          </p:cTn>
-                        </p:par>
-                      </p:childTnLst>
-                    </p:cTn>
-                  </p:par>
-                  <p:par>
-                    <p:cTn id="15" fill="hold">
-                      <p:stCondLst>
-                        <p:cond delay="indefinite"/>
-                      </p:stCondLst>
-                      <p:childTnLst>
-                        <p:par>
-                          <p:cTn id="16" fill="hold">
-                            <p:stCondLst>
-                              <p:cond delay="0"/>
-                            </p:stCondLst>
-                            <p:childTnLst>
-                              <p:par>
-                                <p:cTn id="17" presetID="1" presetClass="entr" presetSubtype="0" fill="hold" nodeType="clickEffect">
-                                  <p:stCondLst>
-                                    <p:cond delay="0"/>
-                                  </p:stCondLst>
-                                  <p:childTnLst>
-                                    <p:set>
-                                      <p:cBhvr>
-                                        <p:cTn id="18" dur="1" fill="hold">
-                                          <p:stCondLst>
-                                            <p:cond delay="0"/>
-                                          </p:stCondLst>
-                                        </p:cTn>
-                                        <p:tgtEl>
-                                          <p:spTgt spid="10"/>
-                                        </p:tgtEl>
-                                        <p:attrNameLst>
-                                          <p:attrName>style.visibility</p:attrName>
-                                        </p:attrNameLst>
-                                      </p:cBhvr>
-                                      <p:to>
-                                        <p:strVal val="visible"/>
-                                      </p:to>
-                                    </p:set>
-                                  </p:childTnLst>
-                                </p:cTn>
-                              </p:par>
-                              <p:par>
-                                <p:cTn id="19" presetID="1" presetClass="entr" presetSubtype="0" fill="hold" nodeType="withEffect">
+                                <p:cTn id="19" presetID="1" presetClass="entr" presetSubtype="0" fill="hold" nodeType="clickEffect">
                                   <p:stCondLst>
                                     <p:cond delay="0"/>
                                   </p:stCondLst>
@@ -8398,21 +8417,34 @@
                                   </p:childTnLst>
                                 </p:cTn>
                               </p:par>
+                            </p:childTnLst>
+                          </p:cTn>
+                        </p:par>
+                        <p:par>
+                          <p:cTn id="21" fill="hold">
+                            <p:stCondLst>
+                              <p:cond delay="0"/>
+                            </p:stCondLst>
+                            <p:childTnLst>
                               <p:par>
-                                <p:cTn id="21" presetID="1" presetClass="entr" presetSubtype="0" fill="hold" nodeType="withEffect">
+                                <p:cTn id="22" presetID="1" presetClass="entr" presetSubtype="0" fill="hold" grpId="0" nodeType="afterEffect">
                                   <p:stCondLst>
                                     <p:cond delay="0"/>
                                   </p:stCondLst>
                                   <p:childTnLst>
                                     <p:set>
                                       <p:cBhvr>
-                                        <p:cTn id="22" dur="1" fill="hold">
+                                        <p:cTn id="23" dur="1" fill="hold">
                                           <p:stCondLst>
                                             <p:cond delay="0"/>
                                           </p:stCondLst>
                                         </p:cTn>
                                         <p:tgtEl>
-                                          <p:spTgt spid="9"/>
+                                          <p:spTgt spid="377859">
+                                            <p:txEl>
+                                              <p:pRg st="6" end="6"/>
+                                            </p:txEl>
+                                          </p:spTgt>
                                         </p:tgtEl>
                                         <p:attrNameLst>
                                           <p:attrName>style.visibility</p:attrName>

--- a/modules/LogisticRegression/PPT.pptx
+++ b/modules/LogisticRegression/PPT.pptx
@@ -6551,66 +6551,26 @@
       </p:sp>
       <p:pic>
         <p:nvPicPr>
-          <p:cNvPr id="5122" name="Picture 2"/>
+          <p:cNvPr id="2" name="Picture 1"/>
           <p:cNvPicPr>
-            <a:picLocks noChangeAspect="1" noChangeArrowheads="1"/>
+            <a:picLocks noChangeAspect="1"/>
           </p:cNvPicPr>
           <p:nvPr/>
         </p:nvPicPr>
         <p:blipFill>
-          <a:blip r:embed="rId2">
-            <a:extLst>
-              <a:ext uri="{28A0092B-C50C-407E-A947-70E740481C1C}">
-                <a14:useLocalDpi xmlns:a14="http://schemas.microsoft.com/office/drawing/2010/main" val="0"/>
-              </a:ext>
-            </a:extLst>
-          </a:blip>
-          <a:srcRect/>
+          <a:blip r:embed="rId2"/>
           <a:stretch>
             <a:fillRect/>
           </a:stretch>
         </p:blipFill>
-        <p:spPr bwMode="auto">
+        <p:spPr>
           <a:xfrm>
-            <a:off x="1357313" y="1828800"/>
-            <a:ext cx="6429375" cy="1524000"/>
+            <a:off x="1752600" y="1828800"/>
+            <a:ext cx="5219700" cy="1543050"/>
           </a:xfrm>
           <a:prstGeom prst="rect">
             <a:avLst/>
           </a:prstGeom>
-          <a:noFill/>
-          <a:ln>
-            <a:noFill/>
-          </a:ln>
-          <a:effectLst/>
-          <a:extLst>
-            <a:ext uri="{909E8E84-426E-40DD-AFC4-6F175D3DCCD1}">
-              <a14:hiddenFill xmlns:a14="http://schemas.microsoft.com/office/drawing/2010/main">
-                <a:solidFill>
-                  <a:schemeClr val="accent1"/>
-                </a:solidFill>
-              </a14:hiddenFill>
-            </a:ext>
-            <a:ext uri="{91240B29-F687-4F45-9708-019B960494DF}">
-              <a14:hiddenLine xmlns:a14="http://schemas.microsoft.com/office/drawing/2010/main" w="9525">
-                <a:solidFill>
-                  <a:schemeClr val="tx1"/>
-                </a:solidFill>
-                <a:miter lim="800000"/>
-                <a:headEnd/>
-                <a:tailEnd/>
-              </a14:hiddenLine>
-            </a:ext>
-            <a:ext uri="{AF507438-7753-43E0-B8FC-AC1667EBCBE1}">
-              <a14:hiddenEffects xmlns:a14="http://schemas.microsoft.com/office/drawing/2010/main">
-                <a:effectLst>
-                  <a:outerShdw dist="35921" dir="2700000" algn="ctr" rotWithShape="0">
-                    <a:schemeClr val="bg2"/>
-                  </a:outerShdw>
-                </a:effectLst>
-              </a14:hiddenEffects>
-            </a:ext>
-          </a:extLst>
         </p:spPr>
       </p:pic>
     </p:spTree>
@@ -6992,39 +6952,78 @@
           </a:p>
         </p:txBody>
       </p:sp>
-      <p:pic>
-        <p:nvPicPr>
-          <p:cNvPr id="376836" name="Picture 4"/>
-          <p:cNvPicPr>
-            <a:picLocks noChangeAspect="1" noChangeArrowheads="1"/>
-          </p:cNvPicPr>
+      <p:grpSp>
+        <p:nvGrpSpPr>
+          <p:cNvPr id="4" name="Group 3"/>
+          <p:cNvGrpSpPr/>
           <p:nvPr/>
-        </p:nvPicPr>
-        <p:blipFill>
-          <a:blip r:embed="rId2"/>
-          <a:srcRect/>
-          <a:stretch>
-            <a:fillRect/>
-          </a:stretch>
-        </p:blipFill>
-        <p:spPr bwMode="auto">
+        </p:nvGrpSpPr>
+        <p:grpSpPr>
           <a:xfrm>
             <a:off x="838200" y="2578100"/>
             <a:ext cx="8289561" cy="1003300"/>
+            <a:chOff x="838200" y="2578100"/>
+            <a:chExt cx="8289561" cy="1003300"/>
           </a:xfrm>
-          <a:prstGeom prst="rect">
-            <a:avLst/>
-          </a:prstGeom>
-          <a:noFill/>
-          <a:ln w="9525">
+        </p:grpSpPr>
+        <p:pic>
+          <p:nvPicPr>
+            <p:cNvPr id="376836" name="Picture 4"/>
+            <p:cNvPicPr>
+              <a:picLocks noChangeAspect="1" noChangeArrowheads="1"/>
+            </p:cNvPicPr>
+            <p:nvPr/>
+          </p:nvPicPr>
+          <p:blipFill>
+            <a:blip r:embed="rId2"/>
+            <a:srcRect/>
+            <a:stretch>
+              <a:fillRect/>
+            </a:stretch>
+          </p:blipFill>
+          <p:spPr bwMode="auto">
+            <a:xfrm>
+              <a:off x="838200" y="2578100"/>
+              <a:ext cx="8289561" cy="1003300"/>
+            </a:xfrm>
+            <a:prstGeom prst="rect">
+              <a:avLst/>
+            </a:prstGeom>
             <a:noFill/>
-            <a:miter lim="800000"/>
-            <a:headEnd/>
-            <a:tailEnd/>
-          </a:ln>
-          <a:effectLst/>
-        </p:spPr>
-      </p:pic>
+            <a:ln w="9525">
+              <a:noFill/>
+              <a:miter lim="800000"/>
+              <a:headEnd/>
+              <a:tailEnd/>
+            </a:ln>
+            <a:effectLst/>
+          </p:spPr>
+        </p:pic>
+        <p:pic>
+          <p:nvPicPr>
+            <p:cNvPr id="3" name="Picture 2"/>
+            <p:cNvPicPr>
+              <a:picLocks noChangeAspect="1"/>
+            </p:cNvPicPr>
+            <p:nvPr/>
+          </p:nvPicPr>
+          <p:blipFill>
+            <a:blip r:embed="rId3"/>
+            <a:stretch>
+              <a:fillRect/>
+            </a:stretch>
+          </p:blipFill>
+          <p:spPr>
+            <a:xfrm>
+              <a:off x="862012" y="2895600"/>
+              <a:ext cx="402815" cy="438150"/>
+            </a:xfrm>
+            <a:prstGeom prst="rect">
+              <a:avLst/>
+            </a:prstGeom>
+          </p:spPr>
+        </p:pic>
+      </p:grpSp>
     </p:spTree>
   </p:cSld>
   <p:clrMapOvr>
@@ -7051,7 +7050,7 @@
                             </p:stCondLst>
                             <p:childTnLst>
                               <p:par>
-                                <p:cTn id="5" presetID="1" presetClass="entr" presetSubtype="0" fill="hold" nodeType="clickEffect">
+                                <p:cTn id="5" presetID="1" presetClass="entr" presetSubtype="0" fill="hold" grpId="0" nodeType="clickEffect">
                                   <p:stCondLst>
                                     <p:cond delay="0"/>
                                   </p:stCondLst>
@@ -7059,51 +7058,6 @@
                                     <p:set>
                                       <p:cBhvr>
                                         <p:cTn id="6" dur="1" fill="hold">
-                                          <p:stCondLst>
-                                            <p:cond delay="0"/>
-                                          </p:stCondLst>
-                                        </p:cTn>
-                                        <p:tgtEl>
-                                          <p:spTgt spid="376836"/>
-                                        </p:tgtEl>
-                                        <p:attrNameLst>
-                                          <p:attrName>style.visibility</p:attrName>
-                                        </p:attrNameLst>
-                                      </p:cBhvr>
-                                      <p:to>
-                                        <p:strVal val="visible"/>
-                                      </p:to>
-                                    </p:set>
-                                  </p:childTnLst>
-                                </p:cTn>
-                              </p:par>
-                            </p:childTnLst>
-                          </p:cTn>
-                        </p:par>
-                      </p:childTnLst>
-                    </p:cTn>
-                  </p:par>
-                  <p:par>
-                    <p:cTn id="7" fill="hold">
-                      <p:stCondLst>
-                        <p:cond delay="indefinite"/>
-                      </p:stCondLst>
-                      <p:childTnLst>
-                        <p:par>
-                          <p:cTn id="8" fill="hold">
-                            <p:stCondLst>
-                              <p:cond delay="0"/>
-                            </p:stCondLst>
-                            <p:childTnLst>
-                              <p:par>
-                                <p:cTn id="9" presetID="1" presetClass="entr" presetSubtype="0" fill="hold" grpId="0" nodeType="clickEffect">
-                                  <p:stCondLst>
-                                    <p:cond delay="0"/>
-                                  </p:stCondLst>
-                                  <p:childTnLst>
-                                    <p:set>
-                                      <p:cBhvr>
-                                        <p:cTn id="10" dur="1" fill="hold">
                                           <p:stCondLst>
                                             <p:cond delay="0"/>
                                           </p:stCondLst>
@@ -7331,39 +7285,78 @@
           </a:p>
         </p:txBody>
       </p:sp>
-      <p:pic>
-        <p:nvPicPr>
-          <p:cNvPr id="376837" name="Picture 5"/>
-          <p:cNvPicPr>
-            <a:picLocks noChangeAspect="1" noChangeArrowheads="1"/>
-          </p:cNvPicPr>
+      <p:grpSp>
+        <p:nvGrpSpPr>
+          <p:cNvPr id="3" name="Group 2"/>
+          <p:cNvGrpSpPr/>
           <p:nvPr/>
-        </p:nvPicPr>
-        <p:blipFill>
-          <a:blip r:embed="rId2"/>
-          <a:srcRect/>
-          <a:stretch>
-            <a:fillRect/>
-          </a:stretch>
-        </p:blipFill>
-        <p:spPr bwMode="auto">
+        </p:nvGrpSpPr>
+        <p:grpSpPr>
           <a:xfrm>
             <a:off x="1752599" y="2514600"/>
             <a:ext cx="4847897" cy="2133600"/>
+            <a:chOff x="1752599" y="2514600"/>
+            <a:chExt cx="4847897" cy="2133600"/>
           </a:xfrm>
-          <a:prstGeom prst="rect">
-            <a:avLst/>
-          </a:prstGeom>
-          <a:noFill/>
-          <a:ln w="9525">
+        </p:grpSpPr>
+        <p:pic>
+          <p:nvPicPr>
+            <p:cNvPr id="376837" name="Picture 5"/>
+            <p:cNvPicPr>
+              <a:picLocks noChangeAspect="1" noChangeArrowheads="1"/>
+            </p:cNvPicPr>
+            <p:nvPr/>
+          </p:nvPicPr>
+          <p:blipFill>
+            <a:blip r:embed="rId2"/>
+            <a:srcRect/>
+            <a:stretch>
+              <a:fillRect/>
+            </a:stretch>
+          </p:blipFill>
+          <p:spPr bwMode="auto">
+            <a:xfrm>
+              <a:off x="1752599" y="2514600"/>
+              <a:ext cx="4847897" cy="2133600"/>
+            </a:xfrm>
+            <a:prstGeom prst="rect">
+              <a:avLst/>
+            </a:prstGeom>
             <a:noFill/>
-            <a:miter lim="800000"/>
-            <a:headEnd/>
-            <a:tailEnd/>
-          </a:ln>
-          <a:effectLst/>
-        </p:spPr>
-      </p:pic>
+            <a:ln w="9525">
+              <a:noFill/>
+              <a:miter lim="800000"/>
+              <a:headEnd/>
+              <a:tailEnd/>
+            </a:ln>
+            <a:effectLst/>
+          </p:spPr>
+        </p:pic>
+        <p:pic>
+          <p:nvPicPr>
+            <p:cNvPr id="2" name="Picture 1"/>
+            <p:cNvPicPr>
+              <a:picLocks noChangeAspect="1"/>
+            </p:cNvPicPr>
+            <p:nvPr/>
+          </p:nvPicPr>
+          <p:blipFill>
+            <a:blip r:embed="rId3"/>
+            <a:stretch>
+              <a:fillRect/>
+            </a:stretch>
+          </p:blipFill>
+          <p:spPr>
+            <a:xfrm>
+              <a:off x="2105024" y="3200400"/>
+              <a:ext cx="411572" cy="447675"/>
+            </a:xfrm>
+            <a:prstGeom prst="rect">
+              <a:avLst/>
+            </a:prstGeom>
+          </p:spPr>
+        </p:pic>
+      </p:grpSp>
     </p:spTree>
     <p:extLst>
       <p:ext uri="{BB962C8B-B14F-4D97-AF65-F5344CB8AC3E}">
@@ -7395,7 +7388,7 @@
                             </p:stCondLst>
                             <p:childTnLst>
                               <p:par>
-                                <p:cTn id="5" presetID="1" presetClass="entr" presetSubtype="0" fill="hold" nodeType="clickEffect">
+                                <p:cTn id="5" presetID="1" presetClass="entr" presetSubtype="0" fill="hold" grpId="0" nodeType="clickEffect">
                                   <p:stCondLst>
                                     <p:cond delay="0"/>
                                   </p:stCondLst>
@@ -7403,51 +7396,6 @@
                                     <p:set>
                                       <p:cBhvr>
                                         <p:cTn id="6" dur="1" fill="hold">
-                                          <p:stCondLst>
-                                            <p:cond delay="0"/>
-                                          </p:stCondLst>
-                                        </p:cTn>
-                                        <p:tgtEl>
-                                          <p:spTgt spid="376837"/>
-                                        </p:tgtEl>
-                                        <p:attrNameLst>
-                                          <p:attrName>style.visibility</p:attrName>
-                                        </p:attrNameLst>
-                                      </p:cBhvr>
-                                      <p:to>
-                                        <p:strVal val="visible"/>
-                                      </p:to>
-                                    </p:set>
-                                  </p:childTnLst>
-                                </p:cTn>
-                              </p:par>
-                            </p:childTnLst>
-                          </p:cTn>
-                        </p:par>
-                      </p:childTnLst>
-                    </p:cTn>
-                  </p:par>
-                  <p:par>
-                    <p:cTn id="7" fill="hold">
-                      <p:stCondLst>
-                        <p:cond delay="indefinite"/>
-                      </p:stCondLst>
-                      <p:childTnLst>
-                        <p:par>
-                          <p:cTn id="8" fill="hold">
-                            <p:stCondLst>
-                              <p:cond delay="0"/>
-                            </p:stCondLst>
-                            <p:childTnLst>
-                              <p:par>
-                                <p:cTn id="9" presetID="1" presetClass="entr" presetSubtype="0" fill="hold" grpId="0" nodeType="clickEffect">
-                                  <p:stCondLst>
-                                    <p:cond delay="0"/>
-                                  </p:stCondLst>
-                                  <p:childTnLst>
-                                    <p:set>
-                                      <p:cBhvr>
-                                        <p:cTn id="10" dur="1" fill="hold">
                                           <p:stCondLst>
                                             <p:cond delay="0"/>
                                           </p:stCondLst>
@@ -8062,132 +8010,74 @@
       </p:sp>
       <p:pic>
         <p:nvPicPr>
-          <p:cNvPr id="9" name="Picture 4"/>
+          <p:cNvPr id="12" name="Picture 11"/>
           <p:cNvPicPr>
-            <a:picLocks noChangeAspect="1" noChangeArrowheads="1"/>
+            <a:picLocks noChangeAspect="1"/>
           </p:cNvPicPr>
           <p:nvPr/>
         </p:nvPicPr>
         <p:blipFill>
           <a:blip r:embed="rId2"/>
-          <a:srcRect/>
           <a:stretch>
             <a:fillRect/>
           </a:stretch>
         </p:blipFill>
-        <p:spPr bwMode="auto">
+        <p:spPr>
           <a:xfrm>
-            <a:off x="914400" y="1715316"/>
-            <a:ext cx="4199241" cy="1027884"/>
+            <a:off x="1094508" y="1692609"/>
+            <a:ext cx="3543300" cy="1047472"/>
           </a:xfrm>
           <a:prstGeom prst="rect">
             <a:avLst/>
           </a:prstGeom>
-          <a:noFill/>
-          <a:ln w="9525">
-            <a:noFill/>
-            <a:miter lim="800000"/>
-            <a:headEnd/>
-            <a:tailEnd/>
-          </a:ln>
-          <a:effectLst/>
         </p:spPr>
       </p:pic>
       <p:pic>
         <p:nvPicPr>
-          <p:cNvPr id="10" name="Picture 5"/>
+          <p:cNvPr id="2" name="Picture 1"/>
           <p:cNvPicPr>
-            <a:picLocks noChangeAspect="1" noChangeArrowheads="1"/>
+            <a:picLocks noChangeAspect="1"/>
           </p:cNvPicPr>
           <p:nvPr/>
         </p:nvPicPr>
         <p:blipFill>
           <a:blip r:embed="rId3"/>
-          <a:srcRect/>
           <a:stretch>
             <a:fillRect/>
           </a:stretch>
         </p:blipFill>
-        <p:spPr bwMode="auto">
+        <p:spPr>
           <a:xfrm>
-            <a:off x="926123" y="3276600"/>
-            <a:ext cx="3000375" cy="914400"/>
+            <a:off x="1094508" y="3303022"/>
+            <a:ext cx="2791691" cy="932531"/>
           </a:xfrm>
           <a:prstGeom prst="rect">
             <a:avLst/>
           </a:prstGeom>
-          <a:noFill/>
-          <a:ln w="9525">
-            <a:noFill/>
-            <a:miter lim="800000"/>
-            <a:headEnd/>
-            <a:tailEnd/>
-          </a:ln>
-          <a:effectLst/>
         </p:spPr>
       </p:pic>
       <p:pic>
         <p:nvPicPr>
-          <p:cNvPr id="11" name="Picture 2"/>
+          <p:cNvPr id="3" name="Picture 2"/>
           <p:cNvPicPr>
-            <a:picLocks noChangeAspect="1" noChangeArrowheads="1"/>
+            <a:picLocks noChangeAspect="1"/>
           </p:cNvPicPr>
           <p:nvPr/>
         </p:nvPicPr>
         <p:blipFill>
-          <a:blip r:embed="rId4">
-            <a:extLst>
-              <a:ext uri="{28A0092B-C50C-407E-A947-70E740481C1C}">
-                <a14:useLocalDpi xmlns:a14="http://schemas.microsoft.com/office/drawing/2010/main" val="0"/>
-              </a:ext>
-            </a:extLst>
-          </a:blip>
-          <a:srcRect/>
+          <a:blip r:embed="rId4"/>
           <a:stretch>
             <a:fillRect/>
           </a:stretch>
         </p:blipFill>
-        <p:spPr bwMode="auto">
+        <p:spPr>
           <a:xfrm>
-            <a:off x="926123" y="4724400"/>
-            <a:ext cx="3174106" cy="990600"/>
+            <a:off x="1097684" y="4798494"/>
+            <a:ext cx="2840903" cy="980859"/>
           </a:xfrm>
           <a:prstGeom prst="rect">
             <a:avLst/>
           </a:prstGeom>
-          <a:noFill/>
-          <a:ln>
-            <a:noFill/>
-          </a:ln>
-          <a:effectLst/>
-          <a:extLst>
-            <a:ext uri="{909E8E84-426E-40DD-AFC4-6F175D3DCCD1}">
-              <a14:hiddenFill xmlns:a14="http://schemas.microsoft.com/office/drawing/2010/main">
-                <a:solidFill>
-                  <a:schemeClr val="accent1"/>
-                </a:solidFill>
-              </a14:hiddenFill>
-            </a:ext>
-            <a:ext uri="{91240B29-F687-4F45-9708-019B960494DF}">
-              <a14:hiddenLine xmlns:a14="http://schemas.microsoft.com/office/drawing/2010/main" w="9525">
-                <a:solidFill>
-                  <a:schemeClr val="tx1"/>
-                </a:solidFill>
-                <a:miter lim="800000"/>
-                <a:headEnd/>
-                <a:tailEnd/>
-              </a14:hiddenLine>
-            </a:ext>
-            <a:ext uri="{AF507438-7753-43E0-B8FC-AC1667EBCBE1}">
-              <a14:hiddenEffects xmlns:a14="http://schemas.microsoft.com/office/drawing/2010/main">
-                <a:effectLst>
-                  <a:outerShdw dist="35921" dir="2700000" algn="ctr" rotWithShape="0">
-                    <a:schemeClr val="bg2"/>
-                  </a:outerShdw>
-                </a:effectLst>
-              </a14:hiddenEffects>
-            </a:ext>
-          </a:extLst>
         </p:spPr>
       </p:pic>
     </p:spTree>
@@ -8234,7 +8124,7 @@
                                           </p:stCondLst>
                                         </p:cTn>
                                         <p:tgtEl>
-                                          <p:spTgt spid="9"/>
+                                          <p:spTgt spid="12"/>
                                         </p:tgtEl>
                                         <p:attrNameLst>
                                           <p:attrName>style.visibility</p:attrName>
@@ -8259,7 +8149,7 @@
                               <p:par>
                                 <p:cTn id="8" presetID="1" presetClass="entr" presetSubtype="0" fill="hold" grpId="0" nodeType="afterEffect">
                                   <p:stCondLst>
-                                    <p:cond delay="0"/>
+                                    <p:cond delay="500"/>
                                   </p:stCondLst>
                                   <p:childTnLst>
                                     <p:set>
@@ -8319,7 +8209,7 @@
                                           </p:stCondLst>
                                         </p:cTn>
                                         <p:tgtEl>
-                                          <p:spTgt spid="10"/>
+                                          <p:spTgt spid="2"/>
                                         </p:tgtEl>
                                         <p:attrNameLst>
                                           <p:attrName>style.visibility</p:attrName>
@@ -8344,7 +8234,7 @@
                               <p:par>
                                 <p:cTn id="15" presetID="1" presetClass="entr" presetSubtype="0" fill="hold" grpId="0" nodeType="afterEffect">
                                   <p:stCondLst>
-                                    <p:cond delay="0"/>
+                                    <p:cond delay="500"/>
                                   </p:stCondLst>
                                   <p:childTnLst>
                                     <p:set>
@@ -8404,7 +8294,7 @@
                                           </p:stCondLst>
                                         </p:cTn>
                                         <p:tgtEl>
-                                          <p:spTgt spid="11"/>
+                                          <p:spTgt spid="3"/>
                                         </p:tgtEl>
                                         <p:attrNameLst>
                                           <p:attrName>style.visibility</p:attrName>
@@ -8429,7 +8319,7 @@
                               <p:par>
                                 <p:cTn id="22" presetID="1" presetClass="entr" presetSubtype="0" fill="hold" grpId="0" nodeType="afterEffect">
                                   <p:stCondLst>
-                                    <p:cond delay="0"/>
+                                    <p:cond delay="500"/>
                                   </p:stCondLst>
                                   <p:childTnLst>
                                     <p:set>
